--- a/Chicago Crime.pptx
+++ b/Chicago Crime.pptx
@@ -4,16 +4,20 @@
   <p:sldMasterIdLst>
     <p:sldMasterId id="2147483660" r:id="rId4"/>
   </p:sldMasterIdLst>
+  <p:notesMasterIdLst>
+    <p:notesMasterId r:id="rId15"/>
+  </p:notesMasterIdLst>
   <p:sldIdLst>
     <p:sldId id="282" r:id="rId5"/>
     <p:sldId id="283" r:id="rId6"/>
-    <p:sldId id="284" r:id="rId7"/>
-    <p:sldId id="287" r:id="rId8"/>
-    <p:sldId id="298" r:id="rId9"/>
-    <p:sldId id="299" r:id="rId10"/>
-    <p:sldId id="294" r:id="rId11"/>
-    <p:sldId id="296" r:id="rId12"/>
-    <p:sldId id="292" r:id="rId13"/>
+    <p:sldId id="300" r:id="rId7"/>
+    <p:sldId id="284" r:id="rId8"/>
+    <p:sldId id="287" r:id="rId9"/>
+    <p:sldId id="298" r:id="rId10"/>
+    <p:sldId id="299" r:id="rId11"/>
+    <p:sldId id="294" r:id="rId12"/>
+    <p:sldId id="296" r:id="rId13"/>
+    <p:sldId id="292" r:id="rId14"/>
   </p:sldIdLst>
   <p:sldSz cx="12192000" cy="6858000"/>
   <p:notesSz cx="6858000" cy="9144000"/>
@@ -3330,6 +3334,355 @@
 </dgm:styleDef>
 </file>
 
+<file path=ppt/notesMasters/notesMaster1.xml><?xml version="1.0" encoding="utf-8"?>
+<p:notesMaster xmlns:a="http://schemas.openxmlformats.org/drawingml/2006/main" xmlns:r="http://schemas.openxmlformats.org/officeDocument/2006/relationships" xmlns:p="http://schemas.openxmlformats.org/presentationml/2006/main">
+  <p:cSld>
+    <p:bg>
+      <p:bgRef idx="1001">
+        <a:schemeClr val="bg1"/>
+      </p:bgRef>
+    </p:bg>
+    <p:spTree>
+      <p:nvGrpSpPr>
+        <p:cNvPr id="1" name=""/>
+        <p:cNvGrpSpPr/>
+        <p:nvPr/>
+      </p:nvGrpSpPr>
+      <p:grpSpPr>
+        <a:xfrm>
+          <a:off x="0" y="0"/>
+          <a:ext cx="0" cy="0"/>
+          <a:chOff x="0" y="0"/>
+          <a:chExt cx="0" cy="0"/>
+        </a:xfrm>
+      </p:grpSpPr>
+      <p:sp>
+        <p:nvSpPr>
+          <p:cNvPr id="2" name="Header Placeholder 1"/>
+          <p:cNvSpPr>
+            <a:spLocks noGrp="1"/>
+          </p:cNvSpPr>
+          <p:nvPr>
+            <p:ph type="hdr" sz="quarter"/>
+          </p:nvPr>
+        </p:nvSpPr>
+        <p:spPr>
+          <a:xfrm>
+            <a:off x="0" y="0"/>
+            <a:ext cx="2971800" cy="458788"/>
+          </a:xfrm>
+          <a:prstGeom prst="rect">
+            <a:avLst/>
+          </a:prstGeom>
+        </p:spPr>
+        <p:txBody>
+          <a:bodyPr vert="horz" lIns="91440" tIns="45720" rIns="91440" bIns="45720" rtlCol="0"/>
+          <a:lstStyle>
+            <a:lvl1pPr algn="l">
+              <a:defRPr sz="1200"/>
+            </a:lvl1pPr>
+          </a:lstStyle>
+          <a:p>
+            <a:endParaRPr lang="en-US"/>
+          </a:p>
+        </p:txBody>
+      </p:sp>
+      <p:sp>
+        <p:nvSpPr>
+          <p:cNvPr id="3" name="Date Placeholder 2"/>
+          <p:cNvSpPr>
+            <a:spLocks noGrp="1"/>
+          </p:cNvSpPr>
+          <p:nvPr>
+            <p:ph type="dt" idx="1"/>
+          </p:nvPr>
+        </p:nvSpPr>
+        <p:spPr>
+          <a:xfrm>
+            <a:off x="3884613" y="0"/>
+            <a:ext cx="2971800" cy="458788"/>
+          </a:xfrm>
+          <a:prstGeom prst="rect">
+            <a:avLst/>
+          </a:prstGeom>
+        </p:spPr>
+        <p:txBody>
+          <a:bodyPr vert="horz" lIns="91440" tIns="45720" rIns="91440" bIns="45720" rtlCol="0"/>
+          <a:lstStyle>
+            <a:lvl1pPr algn="r">
+              <a:defRPr sz="1200"/>
+            </a:lvl1pPr>
+          </a:lstStyle>
+          <a:p>
+            <a:fld id="{294399F6-42F0-4559-B0AD-98CBF64ED38B}" type="datetimeFigureOut">
+              <a:rPr lang="en-US" smtClean="0"/>
+              <a:t>5/8/2020</a:t>
+            </a:fld>
+            <a:endParaRPr lang="en-US"/>
+          </a:p>
+        </p:txBody>
+      </p:sp>
+      <p:sp>
+        <p:nvSpPr>
+          <p:cNvPr id="4" name="Slide Image Placeholder 3"/>
+          <p:cNvSpPr>
+            <a:spLocks noGrp="1" noRot="1" noChangeAspect="1"/>
+          </p:cNvSpPr>
+          <p:nvPr>
+            <p:ph type="sldImg" idx="2"/>
+          </p:nvPr>
+        </p:nvSpPr>
+        <p:spPr>
+          <a:xfrm>
+            <a:off x="685800" y="1143000"/>
+            <a:ext cx="5486400" cy="3086100"/>
+          </a:xfrm>
+          <a:prstGeom prst="rect">
+            <a:avLst/>
+          </a:prstGeom>
+          <a:noFill/>
+          <a:ln w="12700">
+            <a:solidFill>
+              <a:prstClr val="black"/>
+            </a:solidFill>
+          </a:ln>
+        </p:spPr>
+        <p:txBody>
+          <a:bodyPr vert="horz" lIns="91440" tIns="45720" rIns="91440" bIns="45720" rtlCol="0" anchor="ctr"/>
+          <a:lstStyle/>
+          <a:p>
+            <a:endParaRPr lang="en-US"/>
+          </a:p>
+        </p:txBody>
+      </p:sp>
+      <p:sp>
+        <p:nvSpPr>
+          <p:cNvPr id="5" name="Notes Placeholder 4"/>
+          <p:cNvSpPr>
+            <a:spLocks noGrp="1"/>
+          </p:cNvSpPr>
+          <p:nvPr>
+            <p:ph type="body" sz="quarter" idx="3"/>
+          </p:nvPr>
+        </p:nvSpPr>
+        <p:spPr>
+          <a:xfrm>
+            <a:off x="685800" y="4400550"/>
+            <a:ext cx="5486400" cy="3600450"/>
+          </a:xfrm>
+          <a:prstGeom prst="rect">
+            <a:avLst/>
+          </a:prstGeom>
+        </p:spPr>
+        <p:txBody>
+          <a:bodyPr vert="horz" lIns="91440" tIns="45720" rIns="91440" bIns="45720" rtlCol="0"/>
+          <a:lstStyle/>
+          <a:p>
+            <a:pPr lvl="0"/>
+            <a:r>
+              <a:rPr lang="en-US"/>
+              <a:t>Click to edit Master text styles</a:t>
+            </a:r>
+          </a:p>
+          <a:p>
+            <a:pPr lvl="1"/>
+            <a:r>
+              <a:rPr lang="en-US"/>
+              <a:t>Second level</a:t>
+            </a:r>
+          </a:p>
+          <a:p>
+            <a:pPr lvl="2"/>
+            <a:r>
+              <a:rPr lang="en-US"/>
+              <a:t>Third level</a:t>
+            </a:r>
+          </a:p>
+          <a:p>
+            <a:pPr lvl="3"/>
+            <a:r>
+              <a:rPr lang="en-US"/>
+              <a:t>Fourth level</a:t>
+            </a:r>
+          </a:p>
+          <a:p>
+            <a:pPr lvl="4"/>
+            <a:r>
+              <a:rPr lang="en-US"/>
+              <a:t>Fifth level</a:t>
+            </a:r>
+          </a:p>
+        </p:txBody>
+      </p:sp>
+      <p:sp>
+        <p:nvSpPr>
+          <p:cNvPr id="6" name="Footer Placeholder 5"/>
+          <p:cNvSpPr>
+            <a:spLocks noGrp="1"/>
+          </p:cNvSpPr>
+          <p:nvPr>
+            <p:ph type="ftr" sz="quarter" idx="4"/>
+          </p:nvPr>
+        </p:nvSpPr>
+        <p:spPr>
+          <a:xfrm>
+            <a:off x="0" y="8685213"/>
+            <a:ext cx="2971800" cy="458787"/>
+          </a:xfrm>
+          <a:prstGeom prst="rect">
+            <a:avLst/>
+          </a:prstGeom>
+        </p:spPr>
+        <p:txBody>
+          <a:bodyPr vert="horz" lIns="91440" tIns="45720" rIns="91440" bIns="45720" rtlCol="0" anchor="b"/>
+          <a:lstStyle>
+            <a:lvl1pPr algn="l">
+              <a:defRPr sz="1200"/>
+            </a:lvl1pPr>
+          </a:lstStyle>
+          <a:p>
+            <a:endParaRPr lang="en-US"/>
+          </a:p>
+        </p:txBody>
+      </p:sp>
+      <p:sp>
+        <p:nvSpPr>
+          <p:cNvPr id="7" name="Slide Number Placeholder 6"/>
+          <p:cNvSpPr>
+            <a:spLocks noGrp="1"/>
+          </p:cNvSpPr>
+          <p:nvPr>
+            <p:ph type="sldNum" sz="quarter" idx="5"/>
+          </p:nvPr>
+        </p:nvSpPr>
+        <p:spPr>
+          <a:xfrm>
+            <a:off x="3884613" y="8685213"/>
+            <a:ext cx="2971800" cy="458787"/>
+          </a:xfrm>
+          <a:prstGeom prst="rect">
+            <a:avLst/>
+          </a:prstGeom>
+        </p:spPr>
+        <p:txBody>
+          <a:bodyPr vert="horz" lIns="91440" tIns="45720" rIns="91440" bIns="45720" rtlCol="0" anchor="b"/>
+          <a:lstStyle>
+            <a:lvl1pPr algn="r">
+              <a:defRPr sz="1200"/>
+            </a:lvl1pPr>
+          </a:lstStyle>
+          <a:p>
+            <a:fld id="{0568D84D-A5C0-4A93-BB59-47DFF4E6B778}" type="slidenum">
+              <a:rPr lang="en-US" smtClean="0"/>
+              <a:t>‹#›</a:t>
+            </a:fld>
+            <a:endParaRPr lang="en-US"/>
+          </a:p>
+        </p:txBody>
+      </p:sp>
+    </p:spTree>
+    <p:extLst>
+      <p:ext uri="{BB962C8B-B14F-4D97-AF65-F5344CB8AC3E}">
+        <p14:creationId xmlns:p14="http://schemas.microsoft.com/office/powerpoint/2010/main" val="729120407"/>
+      </p:ext>
+    </p:extLst>
+  </p:cSld>
+  <p:clrMap bg1="lt1" tx1="dk1" bg2="lt2" tx2="dk2" accent1="accent1" accent2="accent2" accent3="accent3" accent4="accent4" accent5="accent5" accent6="accent6" hlink="hlink" folHlink="folHlink"/>
+  <p:notesStyle>
+    <a:lvl1pPr marL="0" algn="l" defTabSz="914400" rtl="0" eaLnBrk="1" latinLnBrk="0" hangingPunct="1">
+      <a:defRPr sz="1200" kern="1200">
+        <a:solidFill>
+          <a:schemeClr val="tx1"/>
+        </a:solidFill>
+        <a:latin typeface="+mn-lt"/>
+        <a:ea typeface="+mn-ea"/>
+        <a:cs typeface="+mn-cs"/>
+      </a:defRPr>
+    </a:lvl1pPr>
+    <a:lvl2pPr marL="457200" algn="l" defTabSz="914400" rtl="0" eaLnBrk="1" latinLnBrk="0" hangingPunct="1">
+      <a:defRPr sz="1200" kern="1200">
+        <a:solidFill>
+          <a:schemeClr val="tx1"/>
+        </a:solidFill>
+        <a:latin typeface="+mn-lt"/>
+        <a:ea typeface="+mn-ea"/>
+        <a:cs typeface="+mn-cs"/>
+      </a:defRPr>
+    </a:lvl2pPr>
+    <a:lvl3pPr marL="914400" algn="l" defTabSz="914400" rtl="0" eaLnBrk="1" latinLnBrk="0" hangingPunct="1">
+      <a:defRPr sz="1200" kern="1200">
+        <a:solidFill>
+          <a:schemeClr val="tx1"/>
+        </a:solidFill>
+        <a:latin typeface="+mn-lt"/>
+        <a:ea typeface="+mn-ea"/>
+        <a:cs typeface="+mn-cs"/>
+      </a:defRPr>
+    </a:lvl3pPr>
+    <a:lvl4pPr marL="1371600" algn="l" defTabSz="914400" rtl="0" eaLnBrk="1" latinLnBrk="0" hangingPunct="1">
+      <a:defRPr sz="1200" kern="1200">
+        <a:solidFill>
+          <a:schemeClr val="tx1"/>
+        </a:solidFill>
+        <a:latin typeface="+mn-lt"/>
+        <a:ea typeface="+mn-ea"/>
+        <a:cs typeface="+mn-cs"/>
+      </a:defRPr>
+    </a:lvl4pPr>
+    <a:lvl5pPr marL="1828800" algn="l" defTabSz="914400" rtl="0" eaLnBrk="1" latinLnBrk="0" hangingPunct="1">
+      <a:defRPr sz="1200" kern="1200">
+        <a:solidFill>
+          <a:schemeClr val="tx1"/>
+        </a:solidFill>
+        <a:latin typeface="+mn-lt"/>
+        <a:ea typeface="+mn-ea"/>
+        <a:cs typeface="+mn-cs"/>
+      </a:defRPr>
+    </a:lvl5pPr>
+    <a:lvl6pPr marL="2286000" algn="l" defTabSz="914400" rtl="0" eaLnBrk="1" latinLnBrk="0" hangingPunct="1">
+      <a:defRPr sz="1200" kern="1200">
+        <a:solidFill>
+          <a:schemeClr val="tx1"/>
+        </a:solidFill>
+        <a:latin typeface="+mn-lt"/>
+        <a:ea typeface="+mn-ea"/>
+        <a:cs typeface="+mn-cs"/>
+      </a:defRPr>
+    </a:lvl6pPr>
+    <a:lvl7pPr marL="2743200" algn="l" defTabSz="914400" rtl="0" eaLnBrk="1" latinLnBrk="0" hangingPunct="1">
+      <a:defRPr sz="1200" kern="1200">
+        <a:solidFill>
+          <a:schemeClr val="tx1"/>
+        </a:solidFill>
+        <a:latin typeface="+mn-lt"/>
+        <a:ea typeface="+mn-ea"/>
+        <a:cs typeface="+mn-cs"/>
+      </a:defRPr>
+    </a:lvl7pPr>
+    <a:lvl8pPr marL="3200400" algn="l" defTabSz="914400" rtl="0" eaLnBrk="1" latinLnBrk="0" hangingPunct="1">
+      <a:defRPr sz="1200" kern="1200">
+        <a:solidFill>
+          <a:schemeClr val="tx1"/>
+        </a:solidFill>
+        <a:latin typeface="+mn-lt"/>
+        <a:ea typeface="+mn-ea"/>
+        <a:cs typeface="+mn-cs"/>
+      </a:defRPr>
+    </a:lvl8pPr>
+    <a:lvl9pPr marL="3657600" algn="l" defTabSz="914400" rtl="0" eaLnBrk="1" latinLnBrk="0" hangingPunct="1">
+      <a:defRPr sz="1200" kern="1200">
+        <a:solidFill>
+          <a:schemeClr val="tx1"/>
+        </a:solidFill>
+        <a:latin typeface="+mn-lt"/>
+        <a:ea typeface="+mn-ea"/>
+        <a:cs typeface="+mn-cs"/>
+      </a:defRPr>
+    </a:lvl9pPr>
+  </p:notesStyle>
+</p:notesMaster>
+</file>
+
 <file path=ppt/slideLayouts/slideLayout1.xml><?xml version="1.0" encoding="utf-8"?>
 <p:sldLayout xmlns:a="http://schemas.openxmlformats.org/drawingml/2006/main" xmlns:r="http://schemas.openxmlformats.org/officeDocument/2006/relationships" xmlns:p="http://schemas.openxmlformats.org/presentationml/2006/main" type="title" preserve="1">
   <p:cSld name="Title Slide">
@@ -7288,6 +7641,203 @@
 </p:sld>
 </file>
 
+<file path=ppt/slides/slide10.xml><?xml version="1.0" encoding="utf-8"?>
+<p:sld xmlns:a="http://schemas.openxmlformats.org/drawingml/2006/main" xmlns:r="http://schemas.openxmlformats.org/officeDocument/2006/relationships" xmlns:p="http://schemas.openxmlformats.org/presentationml/2006/main">
+  <p:cSld>
+    <p:bg>
+      <p:bgPr>
+        <a:solidFill>
+          <a:schemeClr val="bg2"/>
+        </a:solidFill>
+        <a:effectLst/>
+      </p:bgPr>
+    </p:bg>
+    <p:spTree>
+      <p:nvGrpSpPr>
+        <p:cNvPr id="1" name=""/>
+        <p:cNvGrpSpPr/>
+        <p:nvPr/>
+      </p:nvGrpSpPr>
+      <p:grpSpPr>
+        <a:xfrm>
+          <a:off x="0" y="0"/>
+          <a:ext cx="0" cy="0"/>
+          <a:chOff x="0" y="0"/>
+          <a:chExt cx="0" cy="0"/>
+        </a:xfrm>
+      </p:grpSpPr>
+      <p:sp>
+        <p:nvSpPr>
+          <p:cNvPr id="15" name="Rectangle 14">
+            <a:extLst>
+              <a:ext uri="{FF2B5EF4-FFF2-40B4-BE49-F238E27FC236}">
+                <a16:creationId xmlns:a16="http://schemas.microsoft.com/office/drawing/2014/main" id="{8E019540-1104-4B12-9F83-45F58674186F}"/>
+              </a:ext>
+              <a:ext uri="{C183D7F6-B498-43B3-948B-1728B52AA6E4}">
+                <adec:decorative xmlns:adec="http://schemas.microsoft.com/office/drawing/2017/decorative" val="1"/>
+              </a:ext>
+            </a:extLst>
+          </p:cNvPr>
+          <p:cNvSpPr>
+            <a:spLocks noGrp="1" noRot="1" noChangeAspect="1" noMove="1" noResize="1" noEditPoints="1" noAdjustHandles="1" noChangeArrowheads="1" noChangeShapeType="1" noTextEdit="1"/>
+          </p:cNvSpPr>
+          <p:nvPr>
+            <p:extLst>
+              <p:ext uri="{386F3935-93C4-4BCD-93E2-E3B085C9AB24}">
+                <p16:designElem xmlns:p16="http://schemas.microsoft.com/office/powerpoint/2015/main" val="1"/>
+              </p:ext>
+            </p:extLst>
+          </p:nvPr>
+        </p:nvSpPr>
+        <p:spPr>
+          <a:xfrm>
+            <a:off x="0" y="0"/>
+            <a:ext cx="12192000" cy="6858000"/>
+          </a:xfrm>
+          <a:prstGeom prst="rect">
+            <a:avLst/>
+          </a:prstGeom>
+          <a:solidFill>
+            <a:srgbClr val="3C474C"/>
+          </a:solidFill>
+          <a:ln>
+            <a:noFill/>
+          </a:ln>
+        </p:spPr>
+        <p:style>
+          <a:lnRef idx="2">
+            <a:schemeClr val="accent1">
+              <a:shade val="50000"/>
+            </a:schemeClr>
+          </a:lnRef>
+          <a:fillRef idx="1">
+            <a:schemeClr val="accent1"/>
+          </a:fillRef>
+          <a:effectRef idx="0">
+            <a:schemeClr val="accent1"/>
+          </a:effectRef>
+          <a:fontRef idx="minor">
+            <a:schemeClr val="lt1"/>
+          </a:fontRef>
+        </p:style>
+        <p:txBody>
+          <a:bodyPr rtlCol="0" anchor="ctr"/>
+          <a:lstStyle/>
+          <a:p>
+            <a:pPr algn="ctr"/>
+            <a:endParaRPr lang="en-US"/>
+          </a:p>
+        </p:txBody>
+      </p:sp>
+      <p:sp>
+        <p:nvSpPr>
+          <p:cNvPr id="2" name="Title 1">
+            <a:extLst>
+              <a:ext uri="{FF2B5EF4-FFF2-40B4-BE49-F238E27FC236}">
+                <a16:creationId xmlns:a16="http://schemas.microsoft.com/office/drawing/2014/main" id="{5A9C786C-6762-4E2F-AE5B-19E21C1E72D1}"/>
+              </a:ext>
+            </a:extLst>
+          </p:cNvPr>
+          <p:cNvSpPr>
+            <a:spLocks noGrp="1"/>
+          </p:cNvSpPr>
+          <p:nvPr>
+            <p:ph type="ctrTitle"/>
+          </p:nvPr>
+        </p:nvSpPr>
+        <p:spPr>
+          <a:xfrm>
+            <a:off x="783771" y="1066800"/>
+            <a:ext cx="5727760" cy="4724400"/>
+          </a:xfrm>
+        </p:spPr>
+        <p:txBody>
+          <a:bodyPr anchor="ctr">
+            <a:normAutofit/>
+          </a:bodyPr>
+          <a:lstStyle/>
+          <a:p>
+            <a:pPr algn="r"/>
+            <a:r>
+              <a:rPr lang="en-US" sz="5600" dirty="0">
+                <a:solidFill>
+                  <a:srgbClr val="FFFFFF">
+                    <a:alpha val="90000"/>
+                  </a:srgbClr>
+                </a:solidFill>
+              </a:rPr>
+              <a:t>Questions</a:t>
+            </a:r>
+          </a:p>
+        </p:txBody>
+      </p:sp>
+      <p:sp>
+        <p:nvSpPr>
+          <p:cNvPr id="17" name="Rectangle 16">
+            <a:extLst>
+              <a:ext uri="{FF2B5EF4-FFF2-40B4-BE49-F238E27FC236}">
+                <a16:creationId xmlns:a16="http://schemas.microsoft.com/office/drawing/2014/main" id="{3580CFD6-E44A-486A-9E73-D8D948F78A34}"/>
+              </a:ext>
+              <a:ext uri="{C183D7F6-B498-43B3-948B-1728B52AA6E4}">
+                <adec:decorative xmlns:adec="http://schemas.microsoft.com/office/drawing/2017/decorative" val="1"/>
+              </a:ext>
+            </a:extLst>
+          </p:cNvPr>
+          <p:cNvSpPr>
+            <a:spLocks noGrp="1" noRot="1" noChangeAspect="1" noMove="1" noResize="1" noEditPoints="1" noAdjustHandles="1" noChangeArrowheads="1" noChangeShapeType="1" noTextEdit="1"/>
+          </p:cNvSpPr>
+          <p:nvPr>
+            <p:extLst>
+              <p:ext uri="{386F3935-93C4-4BCD-93E2-E3B085C9AB24}">
+                <p16:designElem xmlns:p16="http://schemas.microsoft.com/office/powerpoint/2015/main" val="1"/>
+              </p:ext>
+            </p:extLst>
+          </p:nvPr>
+        </p:nvSpPr>
+        <p:spPr>
+          <a:xfrm rot="16200000">
+            <a:off x="5171433" y="3396996"/>
+            <a:ext cx="3703320" cy="64008"/>
+          </a:xfrm>
+          <a:prstGeom prst="rect">
+            <a:avLst/>
+          </a:prstGeom>
+          <a:solidFill>
+            <a:schemeClr val="accent1"/>
+          </a:solidFill>
+          <a:ln>
+            <a:noFill/>
+          </a:ln>
+          <a:effectLst/>
+        </p:spPr>
+        <p:style>
+          <a:lnRef idx="1">
+            <a:schemeClr val="accent1"/>
+          </a:lnRef>
+          <a:fillRef idx="3">
+            <a:schemeClr val="accent1"/>
+          </a:fillRef>
+          <a:effectRef idx="2">
+            <a:schemeClr val="accent1"/>
+          </a:effectRef>
+          <a:fontRef idx="minor">
+            <a:schemeClr val="lt1"/>
+          </a:fontRef>
+        </p:style>
+      </p:sp>
+    </p:spTree>
+    <p:extLst>
+      <p:ext uri="{BB962C8B-B14F-4D97-AF65-F5344CB8AC3E}">
+        <p14:creationId xmlns:p14="http://schemas.microsoft.com/office/powerpoint/2010/main" val="2991565391"/>
+      </p:ext>
+    </p:extLst>
+  </p:cSld>
+  <p:clrMapOvr>
+    <a:overrideClrMapping bg1="dk1" tx1="lt1" bg2="dk2" tx2="lt2" accent1="accent1" accent2="accent2" accent3="accent3" accent4="accent4" accent5="accent5" accent6="accent6" hlink="hlink" folHlink="folHlink"/>
+  </p:clrMapOvr>
+</p:sld>
+</file>
+
 <file path=ppt/slides/slide2.xml><?xml version="1.0" encoding="utf-8"?>
 <p:sld xmlns:a="http://schemas.openxmlformats.org/drawingml/2006/main" xmlns:r="http://schemas.openxmlformats.org/officeDocument/2006/relationships" xmlns:p="http://schemas.openxmlformats.org/presentationml/2006/main">
   <p:cSld>
@@ -7349,6 +7899,352 @@
         <p:spPr>
           <a:xfrm>
             <a:off x="581192" y="702156"/>
+            <a:ext cx="11029616" cy="768835"/>
+          </a:xfrm>
+        </p:spPr>
+        <p:txBody>
+          <a:bodyPr>
+            <a:normAutofit/>
+          </a:bodyPr>
+          <a:lstStyle/>
+          <a:p>
+            <a:r>
+              <a:rPr lang="en-US" dirty="0">
+                <a:solidFill>
+                  <a:schemeClr val="tx1">
+                    <a:lumMod val="85000"/>
+                    <a:lumOff val="15000"/>
+                  </a:schemeClr>
+                </a:solidFill>
+              </a:rPr>
+              <a:t>The PROBLEM </a:t>
+            </a:r>
+          </a:p>
+        </p:txBody>
+      </p:sp>
+      <p:sp>
+        <p:nvSpPr>
+          <p:cNvPr id="3" name="TextBox 2">
+            <a:extLst>
+              <a:ext uri="{FF2B5EF4-FFF2-40B4-BE49-F238E27FC236}">
+                <a16:creationId xmlns:a16="http://schemas.microsoft.com/office/drawing/2014/main" id="{D3A2086B-34EA-4B60-8D8E-C91069C268D4}"/>
+              </a:ext>
+            </a:extLst>
+          </p:cNvPr>
+          <p:cNvSpPr txBox="1"/>
+          <p:nvPr/>
+        </p:nvSpPr>
+        <p:spPr>
+          <a:xfrm>
+            <a:off x="689113" y="1609930"/>
+            <a:ext cx="10813774" cy="1200329"/>
+          </a:xfrm>
+          <a:prstGeom prst="rect">
+            <a:avLst/>
+          </a:prstGeom>
+          <a:noFill/>
+        </p:spPr>
+        <p:txBody>
+          <a:bodyPr wrap="square" rtlCol="0">
+            <a:spAutoFit/>
+          </a:bodyPr>
+          <a:lstStyle/>
+          <a:p>
+            <a:r>
+              <a:rPr lang="en-US" dirty="0"/>
+              <a:t>Most crimes in the city of Chicago go unsolved according to the Pew Research Center. ¹</a:t>
+            </a:r>
+          </a:p>
+          <a:p>
+            <a:endParaRPr lang="en-US" dirty="0"/>
+          </a:p>
+          <a:p>
+            <a:r>
+              <a:rPr lang="en-US" dirty="0"/>
+              <a:t>Using Machine Learning can assist to determine resolution (arrest or no arrest) of reported crimes.</a:t>
+            </a:r>
+          </a:p>
+          <a:p>
+            <a:endParaRPr lang="en-US" dirty="0"/>
+          </a:p>
+        </p:txBody>
+      </p:sp>
+      <p:sp>
+        <p:nvSpPr>
+          <p:cNvPr id="4" name="Footer Placeholder 3">
+            <a:extLst>
+              <a:ext uri="{FF2B5EF4-FFF2-40B4-BE49-F238E27FC236}">
+                <a16:creationId xmlns:a16="http://schemas.microsoft.com/office/drawing/2014/main" id="{4E37DA2D-A4CC-4661-9627-8EA9ECA8B6DE}"/>
+              </a:ext>
+            </a:extLst>
+          </p:cNvPr>
+          <p:cNvSpPr>
+            <a:spLocks noGrp="1"/>
+          </p:cNvSpPr>
+          <p:nvPr>
+            <p:ph type="ftr" sz="quarter" idx="11"/>
+          </p:nvPr>
+        </p:nvSpPr>
+        <p:spPr/>
+        <p:txBody>
+          <a:bodyPr/>
+          <a:lstStyle/>
+          <a:p>
+            <a:r>
+              <a:rPr lang="en-US" dirty="0"/>
+              <a:t>1.</a:t>
+            </a:r>
+            <a:r>
+              <a:rPr lang="en-US" dirty="0">
+                <a:hlinkClick r:id="rId3"/>
+              </a:rPr>
+              <a:t> https://www.pewresearch.org/fact-tank/2017/03/01/most-violent-and-property-crimes-in-the-u-s-go-unsolved/</a:t>
+            </a:r>
+            <a:r>
+              <a:rPr lang="en-US" dirty="0"/>
+              <a:t> </a:t>
+            </a:r>
+          </a:p>
+        </p:txBody>
+      </p:sp>
+      <p:sp>
+        <p:nvSpPr>
+          <p:cNvPr id="6" name="Title 1">
+            <a:extLst>
+              <a:ext uri="{FF2B5EF4-FFF2-40B4-BE49-F238E27FC236}">
+                <a16:creationId xmlns:a16="http://schemas.microsoft.com/office/drawing/2014/main" id="{C6A7BB6E-9ED6-4BAD-ACBD-84E3380C0139}"/>
+              </a:ext>
+            </a:extLst>
+          </p:cNvPr>
+          <p:cNvSpPr txBox="1">
+            <a:spLocks/>
+          </p:cNvSpPr>
+          <p:nvPr/>
+        </p:nvSpPr>
+        <p:spPr>
+          <a:xfrm>
+            <a:off x="581192" y="2660165"/>
+            <a:ext cx="11029616" cy="768835"/>
+          </a:xfrm>
+          <a:prstGeom prst="rect">
+            <a:avLst/>
+          </a:prstGeom>
+        </p:spPr>
+        <p:txBody>
+          <a:bodyPr vert="horz" lIns="91440" tIns="45720" rIns="91440" bIns="45720" rtlCol="0" anchor="b">
+            <a:normAutofit/>
+          </a:bodyPr>
+          <a:lstStyle>
+            <a:lvl1pPr algn="l" defTabSz="457200" rtl="0" eaLnBrk="1" latinLnBrk="0" hangingPunct="1">
+              <a:lnSpc>
+                <a:spcPct val="100000"/>
+              </a:lnSpc>
+              <a:spcBef>
+                <a:spcPct val="0"/>
+              </a:spcBef>
+              <a:buNone/>
+              <a:defRPr sz="2800" b="0" kern="1200" cap="all">
+                <a:solidFill>
+                  <a:schemeClr val="tx1">
+                    <a:lumMod val="75000"/>
+                    <a:lumOff val="25000"/>
+                  </a:schemeClr>
+                </a:solidFill>
+                <a:latin typeface="+mj-lt"/>
+                <a:ea typeface="+mj-ea"/>
+                <a:cs typeface="+mj-cs"/>
+              </a:defRPr>
+            </a:lvl1pPr>
+            <a:lvl2pPr eaLnBrk="1" hangingPunct="1">
+              <a:defRPr>
+                <a:solidFill>
+                  <a:schemeClr val="tx2"/>
+                </a:solidFill>
+              </a:defRPr>
+            </a:lvl2pPr>
+            <a:lvl3pPr eaLnBrk="1" hangingPunct="1">
+              <a:defRPr>
+                <a:solidFill>
+                  <a:schemeClr val="tx2"/>
+                </a:solidFill>
+              </a:defRPr>
+            </a:lvl3pPr>
+            <a:lvl4pPr eaLnBrk="1" hangingPunct="1">
+              <a:defRPr>
+                <a:solidFill>
+                  <a:schemeClr val="tx2"/>
+                </a:solidFill>
+              </a:defRPr>
+            </a:lvl4pPr>
+            <a:lvl5pPr eaLnBrk="1" hangingPunct="1">
+              <a:defRPr>
+                <a:solidFill>
+                  <a:schemeClr val="tx2"/>
+                </a:solidFill>
+              </a:defRPr>
+            </a:lvl5pPr>
+            <a:lvl6pPr eaLnBrk="1" hangingPunct="1">
+              <a:defRPr>
+                <a:solidFill>
+                  <a:schemeClr val="tx2"/>
+                </a:solidFill>
+              </a:defRPr>
+            </a:lvl6pPr>
+            <a:lvl7pPr eaLnBrk="1" hangingPunct="1">
+              <a:defRPr>
+                <a:solidFill>
+                  <a:schemeClr val="tx2"/>
+                </a:solidFill>
+              </a:defRPr>
+            </a:lvl7pPr>
+            <a:lvl8pPr eaLnBrk="1" hangingPunct="1">
+              <a:defRPr>
+                <a:solidFill>
+                  <a:schemeClr val="tx2"/>
+                </a:solidFill>
+              </a:defRPr>
+            </a:lvl8pPr>
+            <a:lvl9pPr eaLnBrk="1" hangingPunct="1">
+              <a:defRPr>
+                <a:solidFill>
+                  <a:schemeClr val="tx2"/>
+                </a:solidFill>
+              </a:defRPr>
+            </a:lvl9pPr>
+          </a:lstStyle>
+          <a:p>
+            <a:r>
+              <a:rPr lang="en-US" dirty="0">
+                <a:solidFill>
+                  <a:schemeClr val="tx1">
+                    <a:lumMod val="85000"/>
+                    <a:lumOff val="15000"/>
+                  </a:schemeClr>
+                </a:solidFill>
+              </a:rPr>
+              <a:t>The StAKEhOLDErs</a:t>
+            </a:r>
+          </a:p>
+        </p:txBody>
+      </p:sp>
+      <p:sp>
+        <p:nvSpPr>
+          <p:cNvPr id="5" name="TextBox 4">
+            <a:extLst>
+              <a:ext uri="{FF2B5EF4-FFF2-40B4-BE49-F238E27FC236}">
+                <a16:creationId xmlns:a16="http://schemas.microsoft.com/office/drawing/2014/main" id="{415AA340-63B8-4E35-94F9-4DCC8D61B805}"/>
+              </a:ext>
+            </a:extLst>
+          </p:cNvPr>
+          <p:cNvSpPr txBox="1"/>
+          <p:nvPr/>
+        </p:nvSpPr>
+        <p:spPr>
+          <a:xfrm>
+            <a:off x="689113" y="3602072"/>
+            <a:ext cx="10694504" cy="2031325"/>
+          </a:xfrm>
+          <a:prstGeom prst="rect">
+            <a:avLst/>
+          </a:prstGeom>
+          <a:noFill/>
+        </p:spPr>
+        <p:txBody>
+          <a:bodyPr wrap="square" rtlCol="0">
+            <a:spAutoFit/>
+          </a:bodyPr>
+          <a:lstStyle/>
+          <a:p>
+            <a:r>
+              <a:rPr lang="en-US" dirty="0"/>
+              <a:t>Target Clients: police departments in the city of Chicago, lawmakers, city planners, correctional facilities and a multitude of other actors who are affected by the number of arrests in the city. </a:t>
+            </a:r>
+          </a:p>
+          <a:p>
+            <a:endParaRPr lang="en-US" dirty="0"/>
+          </a:p>
+          <a:p>
+            <a:r>
+              <a:rPr lang="en-US" dirty="0"/>
+              <a:t>Predicting whether a crime resulted in an arrest could help decision makers determine the most likely conditions that could result in future arrests and thus make contingency plans for mitigating the conditions that cause the likelihood to go up, not only making neighborhoods safer, but also planning for police staffing needs, correctional facility needs, and other. </a:t>
+            </a:r>
+          </a:p>
+        </p:txBody>
+      </p:sp>
+    </p:spTree>
+    <p:extLst>
+      <p:ext uri="{BB962C8B-B14F-4D97-AF65-F5344CB8AC3E}">
+        <p14:creationId xmlns:p14="http://schemas.microsoft.com/office/powerpoint/2010/main" val="3897948653"/>
+      </p:ext>
+    </p:extLst>
+  </p:cSld>
+  <p:clrMapOvr>
+    <a:overrideClrMapping bg1="lt1" tx1="dk1" bg2="lt2" tx2="dk2" accent1="accent1" accent2="accent2" accent3="accent3" accent4="accent4" accent5="accent5" accent6="accent6" hlink="hlink" folHlink="folHlink"/>
+  </p:clrMapOvr>
+</p:sld>
+</file>
+
+<file path=ppt/slides/slide3.xml><?xml version="1.0" encoding="utf-8"?>
+<p:sld xmlns:a="http://schemas.openxmlformats.org/drawingml/2006/main" xmlns:r="http://schemas.openxmlformats.org/officeDocument/2006/relationships" xmlns:p="http://schemas.openxmlformats.org/presentationml/2006/main">
+  <p:cSld>
+    <p:bg>
+      <p:bgPr>
+        <a:gradFill rotWithShape="1">
+          <a:gsLst>
+            <a:gs pos="0">
+              <a:schemeClr val="bg1">
+                <a:tint val="90000"/>
+                <a:lumMod val="110000"/>
+              </a:schemeClr>
+            </a:gs>
+            <a:gs pos="100000">
+              <a:schemeClr val="bg1">
+                <a:shade val="98000"/>
+                <a:satMod val="110000"/>
+                <a:lumMod val="86000"/>
+              </a:schemeClr>
+            </a:gs>
+          </a:gsLst>
+          <a:path path="circle">
+            <a:fillToRect l="50000" t="50000" r="100000" b="100000"/>
+          </a:path>
+        </a:gradFill>
+        <a:effectLst/>
+      </p:bgPr>
+    </p:bg>
+    <p:spTree>
+      <p:nvGrpSpPr>
+        <p:cNvPr id="1" name=""/>
+        <p:cNvGrpSpPr/>
+        <p:nvPr/>
+      </p:nvGrpSpPr>
+      <p:grpSpPr>
+        <a:xfrm>
+          <a:off x="0" y="0"/>
+          <a:ext cx="0" cy="0"/>
+          <a:chOff x="0" y="0"/>
+          <a:chExt cx="0" cy="0"/>
+        </a:xfrm>
+      </p:grpSpPr>
+      <p:sp>
+        <p:nvSpPr>
+          <p:cNvPr id="2" name="Title 1">
+            <a:extLst>
+              <a:ext uri="{FF2B5EF4-FFF2-40B4-BE49-F238E27FC236}">
+                <a16:creationId xmlns:a16="http://schemas.microsoft.com/office/drawing/2014/main" id="{A0150EC9-7E7D-4648-AC38-2A7BCBFB2EF6}"/>
+              </a:ext>
+            </a:extLst>
+          </p:cNvPr>
+          <p:cNvSpPr>
+            <a:spLocks noGrp="1"/>
+          </p:cNvSpPr>
+          <p:nvPr>
+            <p:ph type="title"/>
+          </p:nvPr>
+        </p:nvSpPr>
+        <p:spPr>
+          <a:xfrm>
+            <a:off x="581192" y="702156"/>
             <a:ext cx="11029616" cy="1188720"/>
           </a:xfrm>
         </p:spPr>
@@ -7382,13 +8278,7 @@
             </a:extLst>
           </p:cNvPr>
           <p:cNvGraphicFramePr/>
-          <p:nvPr>
-            <p:extLst>
-              <p:ext uri="{D42A27DB-BD31-4B8C-83A1-F6EECF244321}">
-                <p14:modId xmlns:p14="http://schemas.microsoft.com/office/powerpoint/2010/main" val="1911857559"/>
-              </p:ext>
-            </p:extLst>
-          </p:nvPr>
+          <p:nvPr/>
         </p:nvGraphicFramePr>
         <p:xfrm>
           <a:off x="581025" y="2341563"/>
@@ -7403,7 +8293,7 @@
     </p:spTree>
     <p:extLst>
       <p:ext uri="{BB962C8B-B14F-4D97-AF65-F5344CB8AC3E}">
-        <p14:creationId xmlns:p14="http://schemas.microsoft.com/office/powerpoint/2010/main" val="3897948653"/>
+        <p14:creationId xmlns:p14="http://schemas.microsoft.com/office/powerpoint/2010/main" val="601366579"/>
       </p:ext>
     </p:extLst>
   </p:cSld>
@@ -7413,7 +8303,7 @@
 </p:sld>
 </file>
 
-<file path=ppt/slides/slide3.xml><?xml version="1.0" encoding="utf-8"?>
+<file path=ppt/slides/slide4.xml><?xml version="1.0" encoding="utf-8"?>
 <p:sld xmlns:a="http://schemas.openxmlformats.org/drawingml/2006/main" xmlns:r="http://schemas.openxmlformats.org/officeDocument/2006/relationships" xmlns:p="http://schemas.openxmlformats.org/presentationml/2006/main">
   <p:cSld>
     <p:bg>
@@ -8013,7 +8903,7 @@
 </p:sld>
 </file>
 
-<file path=ppt/slides/slide4.xml><?xml version="1.0" encoding="utf-8"?>
+<file path=ppt/slides/slide5.xml><?xml version="1.0" encoding="utf-8"?>
 <p:sld xmlns:a="http://schemas.openxmlformats.org/drawingml/2006/main" xmlns:r="http://schemas.openxmlformats.org/officeDocument/2006/relationships" xmlns:p="http://schemas.openxmlformats.org/presentationml/2006/main">
   <p:cSld>
     <p:bg>
@@ -8500,7 +9390,7 @@
 </p:sld>
 </file>
 
-<file path=ppt/slides/slide5.xml><?xml version="1.0" encoding="utf-8"?>
+<file path=ppt/slides/slide6.xml><?xml version="1.0" encoding="utf-8"?>
 <p:sld xmlns:a="http://schemas.openxmlformats.org/drawingml/2006/main" xmlns:r="http://schemas.openxmlformats.org/officeDocument/2006/relationships" xmlns:p="http://schemas.openxmlformats.org/presentationml/2006/main">
   <p:cSld>
     <p:bg>
@@ -8945,7 +9835,7 @@
 </p:sld>
 </file>
 
-<file path=ppt/slides/slide6.xml><?xml version="1.0" encoding="utf-8"?>
+<file path=ppt/slides/slide7.xml><?xml version="1.0" encoding="utf-8"?>
 <p:sld xmlns:a="http://schemas.openxmlformats.org/drawingml/2006/main" xmlns:r="http://schemas.openxmlformats.org/officeDocument/2006/relationships" xmlns:p="http://schemas.openxmlformats.org/presentationml/2006/main">
   <p:cSld>
     <p:bg>
@@ -9598,7 +10488,7 @@
 </p:sld>
 </file>
 
-<file path=ppt/slides/slide7.xml><?xml version="1.0" encoding="utf-8"?>
+<file path=ppt/slides/slide8.xml><?xml version="1.0" encoding="utf-8"?>
 <p:sld xmlns:a="http://schemas.openxmlformats.org/drawingml/2006/main" xmlns:r="http://schemas.openxmlformats.org/officeDocument/2006/relationships" xmlns:p="http://schemas.openxmlformats.org/presentationml/2006/main">
   <p:cSld>
     <p:bg>
@@ -10250,7 +11140,7 @@
 </p:sld>
 </file>
 
-<file path=ppt/slides/slide8.xml><?xml version="1.0" encoding="utf-8"?>
+<file path=ppt/slides/slide9.xml><?xml version="1.0" encoding="utf-8"?>
 <p:sld xmlns:a="http://schemas.openxmlformats.org/drawingml/2006/main" xmlns:r="http://schemas.openxmlformats.org/officeDocument/2006/relationships" xmlns:p="http://schemas.openxmlformats.org/presentationml/2006/main">
   <p:cSld>
     <p:bg>
@@ -10924,203 +11814,6 @@
     <p:extLst>
       <p:ext uri="{BB962C8B-B14F-4D97-AF65-F5344CB8AC3E}">
         <p14:creationId xmlns:p14="http://schemas.microsoft.com/office/powerpoint/2010/main" val="484607339"/>
-      </p:ext>
-    </p:extLst>
-  </p:cSld>
-  <p:clrMapOvr>
-    <a:overrideClrMapping bg1="dk1" tx1="lt1" bg2="dk2" tx2="lt2" accent1="accent1" accent2="accent2" accent3="accent3" accent4="accent4" accent5="accent5" accent6="accent6" hlink="hlink" folHlink="folHlink"/>
-  </p:clrMapOvr>
-</p:sld>
-</file>
-
-<file path=ppt/slides/slide9.xml><?xml version="1.0" encoding="utf-8"?>
-<p:sld xmlns:a="http://schemas.openxmlformats.org/drawingml/2006/main" xmlns:r="http://schemas.openxmlformats.org/officeDocument/2006/relationships" xmlns:p="http://schemas.openxmlformats.org/presentationml/2006/main">
-  <p:cSld>
-    <p:bg>
-      <p:bgPr>
-        <a:solidFill>
-          <a:schemeClr val="bg2"/>
-        </a:solidFill>
-        <a:effectLst/>
-      </p:bgPr>
-    </p:bg>
-    <p:spTree>
-      <p:nvGrpSpPr>
-        <p:cNvPr id="1" name=""/>
-        <p:cNvGrpSpPr/>
-        <p:nvPr/>
-      </p:nvGrpSpPr>
-      <p:grpSpPr>
-        <a:xfrm>
-          <a:off x="0" y="0"/>
-          <a:ext cx="0" cy="0"/>
-          <a:chOff x="0" y="0"/>
-          <a:chExt cx="0" cy="0"/>
-        </a:xfrm>
-      </p:grpSpPr>
-      <p:sp>
-        <p:nvSpPr>
-          <p:cNvPr id="15" name="Rectangle 14">
-            <a:extLst>
-              <a:ext uri="{FF2B5EF4-FFF2-40B4-BE49-F238E27FC236}">
-                <a16:creationId xmlns:a16="http://schemas.microsoft.com/office/drawing/2014/main" id="{8E019540-1104-4B12-9F83-45F58674186F}"/>
-              </a:ext>
-              <a:ext uri="{C183D7F6-B498-43B3-948B-1728B52AA6E4}">
-                <adec:decorative xmlns:adec="http://schemas.microsoft.com/office/drawing/2017/decorative" val="1"/>
-              </a:ext>
-            </a:extLst>
-          </p:cNvPr>
-          <p:cNvSpPr>
-            <a:spLocks noGrp="1" noRot="1" noChangeAspect="1" noMove="1" noResize="1" noEditPoints="1" noAdjustHandles="1" noChangeArrowheads="1" noChangeShapeType="1" noTextEdit="1"/>
-          </p:cNvSpPr>
-          <p:nvPr>
-            <p:extLst>
-              <p:ext uri="{386F3935-93C4-4BCD-93E2-E3B085C9AB24}">
-                <p16:designElem xmlns:p16="http://schemas.microsoft.com/office/powerpoint/2015/main" val="1"/>
-              </p:ext>
-            </p:extLst>
-          </p:nvPr>
-        </p:nvSpPr>
-        <p:spPr>
-          <a:xfrm>
-            <a:off x="0" y="0"/>
-            <a:ext cx="12192000" cy="6858000"/>
-          </a:xfrm>
-          <a:prstGeom prst="rect">
-            <a:avLst/>
-          </a:prstGeom>
-          <a:solidFill>
-            <a:srgbClr val="3C474C"/>
-          </a:solidFill>
-          <a:ln>
-            <a:noFill/>
-          </a:ln>
-        </p:spPr>
-        <p:style>
-          <a:lnRef idx="2">
-            <a:schemeClr val="accent1">
-              <a:shade val="50000"/>
-            </a:schemeClr>
-          </a:lnRef>
-          <a:fillRef idx="1">
-            <a:schemeClr val="accent1"/>
-          </a:fillRef>
-          <a:effectRef idx="0">
-            <a:schemeClr val="accent1"/>
-          </a:effectRef>
-          <a:fontRef idx="minor">
-            <a:schemeClr val="lt1"/>
-          </a:fontRef>
-        </p:style>
-        <p:txBody>
-          <a:bodyPr rtlCol="0" anchor="ctr"/>
-          <a:lstStyle/>
-          <a:p>
-            <a:pPr algn="ctr"/>
-            <a:endParaRPr lang="en-US"/>
-          </a:p>
-        </p:txBody>
-      </p:sp>
-      <p:sp>
-        <p:nvSpPr>
-          <p:cNvPr id="2" name="Title 1">
-            <a:extLst>
-              <a:ext uri="{FF2B5EF4-FFF2-40B4-BE49-F238E27FC236}">
-                <a16:creationId xmlns:a16="http://schemas.microsoft.com/office/drawing/2014/main" id="{5A9C786C-6762-4E2F-AE5B-19E21C1E72D1}"/>
-              </a:ext>
-            </a:extLst>
-          </p:cNvPr>
-          <p:cNvSpPr>
-            <a:spLocks noGrp="1"/>
-          </p:cNvSpPr>
-          <p:nvPr>
-            <p:ph type="ctrTitle"/>
-          </p:nvPr>
-        </p:nvSpPr>
-        <p:spPr>
-          <a:xfrm>
-            <a:off x="783771" y="1066800"/>
-            <a:ext cx="5727760" cy="4724400"/>
-          </a:xfrm>
-        </p:spPr>
-        <p:txBody>
-          <a:bodyPr anchor="ctr">
-            <a:normAutofit/>
-          </a:bodyPr>
-          <a:lstStyle/>
-          <a:p>
-            <a:pPr algn="r"/>
-            <a:r>
-              <a:rPr lang="en-US" sz="5600" dirty="0">
-                <a:solidFill>
-                  <a:srgbClr val="FFFFFF">
-                    <a:alpha val="90000"/>
-                  </a:srgbClr>
-                </a:solidFill>
-              </a:rPr>
-              <a:t>Questions</a:t>
-            </a:r>
-          </a:p>
-        </p:txBody>
-      </p:sp>
-      <p:sp>
-        <p:nvSpPr>
-          <p:cNvPr id="17" name="Rectangle 16">
-            <a:extLst>
-              <a:ext uri="{FF2B5EF4-FFF2-40B4-BE49-F238E27FC236}">
-                <a16:creationId xmlns:a16="http://schemas.microsoft.com/office/drawing/2014/main" id="{3580CFD6-E44A-486A-9E73-D8D948F78A34}"/>
-              </a:ext>
-              <a:ext uri="{C183D7F6-B498-43B3-948B-1728B52AA6E4}">
-                <adec:decorative xmlns:adec="http://schemas.microsoft.com/office/drawing/2017/decorative" val="1"/>
-              </a:ext>
-            </a:extLst>
-          </p:cNvPr>
-          <p:cNvSpPr>
-            <a:spLocks noGrp="1" noRot="1" noChangeAspect="1" noMove="1" noResize="1" noEditPoints="1" noAdjustHandles="1" noChangeArrowheads="1" noChangeShapeType="1" noTextEdit="1"/>
-          </p:cNvSpPr>
-          <p:nvPr>
-            <p:extLst>
-              <p:ext uri="{386F3935-93C4-4BCD-93E2-E3B085C9AB24}">
-                <p16:designElem xmlns:p16="http://schemas.microsoft.com/office/powerpoint/2015/main" val="1"/>
-              </p:ext>
-            </p:extLst>
-          </p:nvPr>
-        </p:nvSpPr>
-        <p:spPr>
-          <a:xfrm rot="16200000">
-            <a:off x="5171433" y="3396996"/>
-            <a:ext cx="3703320" cy="64008"/>
-          </a:xfrm>
-          <a:prstGeom prst="rect">
-            <a:avLst/>
-          </a:prstGeom>
-          <a:solidFill>
-            <a:schemeClr val="accent1"/>
-          </a:solidFill>
-          <a:ln>
-            <a:noFill/>
-          </a:ln>
-          <a:effectLst/>
-        </p:spPr>
-        <p:style>
-          <a:lnRef idx="1">
-            <a:schemeClr val="accent1"/>
-          </a:lnRef>
-          <a:fillRef idx="3">
-            <a:schemeClr val="accent1"/>
-          </a:fillRef>
-          <a:effectRef idx="2">
-            <a:schemeClr val="accent1"/>
-          </a:effectRef>
-          <a:fontRef idx="minor">
-            <a:schemeClr val="lt1"/>
-          </a:fontRef>
-        </p:style>
-      </p:sp>
-    </p:spTree>
-    <p:extLst>
-      <p:ext uri="{BB962C8B-B14F-4D97-AF65-F5344CB8AC3E}">
-        <p14:creationId xmlns:p14="http://schemas.microsoft.com/office/powerpoint/2010/main" val="2991565391"/>
       </p:ext>
     </p:extLst>
   </p:cSld>
@@ -11399,6 +12092,301 @@
 </a:theme>
 </file>
 
+<file path=ppt/theme/theme2.xml><?xml version="1.0" encoding="utf-8"?>
+<a:theme xmlns:a="http://schemas.openxmlformats.org/drawingml/2006/main" name="Office Theme">
+  <a:themeElements>
+    <a:clrScheme name="Office">
+      <a:dk1>
+        <a:sysClr val="windowText" lastClr="000000"/>
+      </a:dk1>
+      <a:lt1>
+        <a:sysClr val="window" lastClr="FFFFFF"/>
+      </a:lt1>
+      <a:dk2>
+        <a:srgbClr val="44546A"/>
+      </a:dk2>
+      <a:lt2>
+        <a:srgbClr val="E7E6E6"/>
+      </a:lt2>
+      <a:accent1>
+        <a:srgbClr val="4472C4"/>
+      </a:accent1>
+      <a:accent2>
+        <a:srgbClr val="ED7D31"/>
+      </a:accent2>
+      <a:accent3>
+        <a:srgbClr val="A5A5A5"/>
+      </a:accent3>
+      <a:accent4>
+        <a:srgbClr val="FFC000"/>
+      </a:accent4>
+      <a:accent5>
+        <a:srgbClr val="5B9BD5"/>
+      </a:accent5>
+      <a:accent6>
+        <a:srgbClr val="70AD47"/>
+      </a:accent6>
+      <a:hlink>
+        <a:srgbClr val="0563C1"/>
+      </a:hlink>
+      <a:folHlink>
+        <a:srgbClr val="954F72"/>
+      </a:folHlink>
+    </a:clrScheme>
+    <a:fontScheme name="Office">
+      <a:majorFont>
+        <a:latin typeface="Calibri Light" panose="020F0302020204030204"/>
+        <a:ea typeface=""/>
+        <a:cs typeface=""/>
+        <a:font script="Jpan" typeface="游ゴシック Light"/>
+        <a:font script="Hang" typeface="맑은 고딕"/>
+        <a:font script="Hans" typeface="等线 Light"/>
+        <a:font script="Hant" typeface="新細明體"/>
+        <a:font script="Arab" typeface="Times New Roman"/>
+        <a:font script="Hebr" typeface="Times New Roman"/>
+        <a:font script="Thai" typeface="Angsana New"/>
+        <a:font script="Ethi" typeface="Nyala"/>
+        <a:font script="Beng" typeface="Vrinda"/>
+        <a:font script="Gujr" typeface="Shruti"/>
+        <a:font script="Khmr" typeface="MoolBoran"/>
+        <a:font script="Knda" typeface="Tunga"/>
+        <a:font script="Guru" typeface="Raavi"/>
+        <a:font script="Cans" typeface="Euphemia"/>
+        <a:font script="Cher" typeface="Plantagenet Cherokee"/>
+        <a:font script="Yiii" typeface="Microsoft Yi Baiti"/>
+        <a:font script="Tibt" typeface="Microsoft Himalaya"/>
+        <a:font script="Thaa" typeface="MV Boli"/>
+        <a:font script="Deva" typeface="Mangal"/>
+        <a:font script="Telu" typeface="Gautami"/>
+        <a:font script="Taml" typeface="Latha"/>
+        <a:font script="Syrc" typeface="Estrangelo Edessa"/>
+        <a:font script="Orya" typeface="Kalinga"/>
+        <a:font script="Mlym" typeface="Kartika"/>
+        <a:font script="Laoo" typeface="DokChampa"/>
+        <a:font script="Sinh" typeface="Iskoola Pota"/>
+        <a:font script="Mong" typeface="Mongolian Baiti"/>
+        <a:font script="Viet" typeface="Times New Roman"/>
+        <a:font script="Uigh" typeface="Microsoft Uighur"/>
+        <a:font script="Geor" typeface="Sylfaen"/>
+        <a:font script="Armn" typeface="Arial"/>
+        <a:font script="Bugi" typeface="Leelawadee UI"/>
+        <a:font script="Bopo" typeface="Microsoft JhengHei"/>
+        <a:font script="Java" typeface="Javanese Text"/>
+        <a:font script="Lisu" typeface="Segoe UI"/>
+        <a:font script="Mymr" typeface="Myanmar Text"/>
+        <a:font script="Nkoo" typeface="Ebrima"/>
+        <a:font script="Olck" typeface="Nirmala UI"/>
+        <a:font script="Osma" typeface="Ebrima"/>
+        <a:font script="Phag" typeface="Phagspa"/>
+        <a:font script="Syrn" typeface="Estrangelo Edessa"/>
+        <a:font script="Syrj" typeface="Estrangelo Edessa"/>
+        <a:font script="Syre" typeface="Estrangelo Edessa"/>
+        <a:font script="Sora" typeface="Nirmala UI"/>
+        <a:font script="Tale" typeface="Microsoft Tai Le"/>
+        <a:font script="Talu" typeface="Microsoft New Tai Lue"/>
+        <a:font script="Tfng" typeface="Ebrima"/>
+      </a:majorFont>
+      <a:minorFont>
+        <a:latin typeface="Calibri" panose="020F0502020204030204"/>
+        <a:ea typeface=""/>
+        <a:cs typeface=""/>
+        <a:font script="Jpan" typeface="游ゴシック"/>
+        <a:font script="Hang" typeface="맑은 고딕"/>
+        <a:font script="Hans" typeface="等线"/>
+        <a:font script="Hant" typeface="新細明體"/>
+        <a:font script="Arab" typeface="Arial"/>
+        <a:font script="Hebr" typeface="Arial"/>
+        <a:font script="Thai" typeface="Cordia New"/>
+        <a:font script="Ethi" typeface="Nyala"/>
+        <a:font script="Beng" typeface="Vrinda"/>
+        <a:font script="Gujr" typeface="Shruti"/>
+        <a:font script="Khmr" typeface="DaunPenh"/>
+        <a:font script="Knda" typeface="Tunga"/>
+        <a:font script="Guru" typeface="Raavi"/>
+        <a:font script="Cans" typeface="Euphemia"/>
+        <a:font script="Cher" typeface="Plantagenet Cherokee"/>
+        <a:font script="Yiii" typeface="Microsoft Yi Baiti"/>
+        <a:font script="Tibt" typeface="Microsoft Himalaya"/>
+        <a:font script="Thaa" typeface="MV Boli"/>
+        <a:font script="Deva" typeface="Mangal"/>
+        <a:font script="Telu" typeface="Gautami"/>
+        <a:font script="Taml" typeface="Latha"/>
+        <a:font script="Syrc" typeface="Estrangelo Edessa"/>
+        <a:font script="Orya" typeface="Kalinga"/>
+        <a:font script="Mlym" typeface="Kartika"/>
+        <a:font script="Laoo" typeface="DokChampa"/>
+        <a:font script="Sinh" typeface="Iskoola Pota"/>
+        <a:font script="Mong" typeface="Mongolian Baiti"/>
+        <a:font script="Viet" typeface="Arial"/>
+        <a:font script="Uigh" typeface="Microsoft Uighur"/>
+        <a:font script="Geor" typeface="Sylfaen"/>
+        <a:font script="Armn" typeface="Arial"/>
+        <a:font script="Bugi" typeface="Leelawadee UI"/>
+        <a:font script="Bopo" typeface="Microsoft JhengHei"/>
+        <a:font script="Java" typeface="Javanese Text"/>
+        <a:font script="Lisu" typeface="Segoe UI"/>
+        <a:font script="Mymr" typeface="Myanmar Text"/>
+        <a:font script="Nkoo" typeface="Ebrima"/>
+        <a:font script="Olck" typeface="Nirmala UI"/>
+        <a:font script="Osma" typeface="Ebrima"/>
+        <a:font script="Phag" typeface="Phagspa"/>
+        <a:font script="Syrn" typeface="Estrangelo Edessa"/>
+        <a:font script="Syrj" typeface="Estrangelo Edessa"/>
+        <a:font script="Syre" typeface="Estrangelo Edessa"/>
+        <a:font script="Sora" typeface="Nirmala UI"/>
+        <a:font script="Tale" typeface="Microsoft Tai Le"/>
+        <a:font script="Talu" typeface="Microsoft New Tai Lue"/>
+        <a:font script="Tfng" typeface="Ebrima"/>
+      </a:minorFont>
+    </a:fontScheme>
+    <a:fmtScheme name="Office">
+      <a:fillStyleLst>
+        <a:solidFill>
+          <a:schemeClr val="phClr"/>
+        </a:solidFill>
+        <a:gradFill rotWithShape="1">
+          <a:gsLst>
+            <a:gs pos="0">
+              <a:schemeClr val="phClr">
+                <a:lumMod val="110000"/>
+                <a:satMod val="105000"/>
+                <a:tint val="67000"/>
+              </a:schemeClr>
+            </a:gs>
+            <a:gs pos="50000">
+              <a:schemeClr val="phClr">
+                <a:lumMod val="105000"/>
+                <a:satMod val="103000"/>
+                <a:tint val="73000"/>
+              </a:schemeClr>
+            </a:gs>
+            <a:gs pos="100000">
+              <a:schemeClr val="phClr">
+                <a:lumMod val="105000"/>
+                <a:satMod val="109000"/>
+                <a:tint val="81000"/>
+              </a:schemeClr>
+            </a:gs>
+          </a:gsLst>
+          <a:lin ang="5400000" scaled="0"/>
+        </a:gradFill>
+        <a:gradFill rotWithShape="1">
+          <a:gsLst>
+            <a:gs pos="0">
+              <a:schemeClr val="phClr">
+                <a:satMod val="103000"/>
+                <a:lumMod val="102000"/>
+                <a:tint val="94000"/>
+              </a:schemeClr>
+            </a:gs>
+            <a:gs pos="50000">
+              <a:schemeClr val="phClr">
+                <a:satMod val="110000"/>
+                <a:lumMod val="100000"/>
+                <a:shade val="100000"/>
+              </a:schemeClr>
+            </a:gs>
+            <a:gs pos="100000">
+              <a:schemeClr val="phClr">
+                <a:lumMod val="99000"/>
+                <a:satMod val="120000"/>
+                <a:shade val="78000"/>
+              </a:schemeClr>
+            </a:gs>
+          </a:gsLst>
+          <a:lin ang="5400000" scaled="0"/>
+        </a:gradFill>
+      </a:fillStyleLst>
+      <a:lnStyleLst>
+        <a:ln w="6350" cap="flat" cmpd="sng" algn="ctr">
+          <a:solidFill>
+            <a:schemeClr val="phClr"/>
+          </a:solidFill>
+          <a:prstDash val="solid"/>
+          <a:miter lim="800000"/>
+        </a:ln>
+        <a:ln w="12700" cap="flat" cmpd="sng" algn="ctr">
+          <a:solidFill>
+            <a:schemeClr val="phClr"/>
+          </a:solidFill>
+          <a:prstDash val="solid"/>
+          <a:miter lim="800000"/>
+        </a:ln>
+        <a:ln w="19050" cap="flat" cmpd="sng" algn="ctr">
+          <a:solidFill>
+            <a:schemeClr val="phClr"/>
+          </a:solidFill>
+          <a:prstDash val="solid"/>
+          <a:miter lim="800000"/>
+        </a:ln>
+      </a:lnStyleLst>
+      <a:effectStyleLst>
+        <a:effectStyle>
+          <a:effectLst/>
+        </a:effectStyle>
+        <a:effectStyle>
+          <a:effectLst/>
+        </a:effectStyle>
+        <a:effectStyle>
+          <a:effectLst>
+            <a:outerShdw blurRad="57150" dist="19050" dir="5400000" algn="ctr" rotWithShape="0">
+              <a:srgbClr val="000000">
+                <a:alpha val="63000"/>
+              </a:srgbClr>
+            </a:outerShdw>
+          </a:effectLst>
+        </a:effectStyle>
+      </a:effectStyleLst>
+      <a:bgFillStyleLst>
+        <a:solidFill>
+          <a:schemeClr val="phClr"/>
+        </a:solidFill>
+        <a:solidFill>
+          <a:schemeClr val="phClr">
+            <a:tint val="95000"/>
+            <a:satMod val="170000"/>
+          </a:schemeClr>
+        </a:solidFill>
+        <a:gradFill rotWithShape="1">
+          <a:gsLst>
+            <a:gs pos="0">
+              <a:schemeClr val="phClr">
+                <a:tint val="93000"/>
+                <a:satMod val="150000"/>
+                <a:shade val="98000"/>
+                <a:lumMod val="102000"/>
+              </a:schemeClr>
+            </a:gs>
+            <a:gs pos="50000">
+              <a:schemeClr val="phClr">
+                <a:tint val="98000"/>
+                <a:satMod val="130000"/>
+                <a:shade val="90000"/>
+                <a:lumMod val="103000"/>
+              </a:schemeClr>
+            </a:gs>
+            <a:gs pos="100000">
+              <a:schemeClr val="phClr">
+                <a:shade val="63000"/>
+                <a:satMod val="120000"/>
+              </a:schemeClr>
+            </a:gs>
+          </a:gsLst>
+          <a:lin ang="5400000" scaled="0"/>
+        </a:gradFill>
+      </a:bgFillStyleLst>
+    </a:fmtScheme>
+  </a:themeElements>
+  <a:objectDefaults/>
+  <a:extraClrSchemeLst/>
+  <a:extLst>
+    <a:ext uri="{05A4C25C-085E-4340-85A3-A5531E510DB2}">
+      <thm15:themeFamily xmlns:thm15="http://schemas.microsoft.com/office/thememl/2012/main" name="Office Theme" id="{62F939B6-93AF-4DB8-9C6B-D6C7DFDC589F}" vid="{4A3C46E8-61CC-4603-A589-7422A47A8E4A}"/>
+    </a:ext>
+  </a:extLst>
+</a:theme>
+</file>
+
 <file path=ppt/theme/themeOverride1.xml><?xml version="1.0" encoding="utf-8"?>
 <a:themeOverride xmlns:a="http://schemas.openxmlformats.org/drawingml/2006/main">
   <a:clrScheme name="DividendVTI">
@@ -11485,7 +12473,68 @@
 </a:themeOverride>
 </file>
 
+<file path=ppt/theme/themeOverride3.xml><?xml version="1.0" encoding="utf-8"?>
+<a:themeOverride xmlns:a="http://schemas.openxmlformats.org/drawingml/2006/main">
+  <a:clrScheme name="DividendVTI">
+    <a:dk1>
+      <a:sysClr val="windowText" lastClr="000000"/>
+    </a:dk1>
+    <a:lt1>
+      <a:sysClr val="window" lastClr="FFFFFF"/>
+    </a:lt1>
+    <a:dk2>
+      <a:srgbClr val="3D3D3D"/>
+    </a:dk2>
+    <a:lt2>
+      <a:srgbClr val="EBEBEB"/>
+    </a:lt2>
+    <a:accent1>
+      <a:srgbClr val="ED8428"/>
+    </a:accent1>
+    <a:accent2>
+      <a:srgbClr val="E6C46D"/>
+    </a:accent2>
+    <a:accent3>
+      <a:srgbClr val="537685"/>
+    </a:accent3>
+    <a:accent4>
+      <a:srgbClr val="969FA7"/>
+    </a:accent4>
+    <a:accent5>
+      <a:srgbClr val="A9C37C"/>
+    </a:accent5>
+    <a:accent6>
+      <a:srgbClr val="5A8071"/>
+    </a:accent6>
+    <a:hlink>
+      <a:srgbClr val="828282"/>
+    </a:hlink>
+    <a:folHlink>
+      <a:srgbClr val="A5A5A5"/>
+    </a:folHlink>
+  </a:clrScheme>
+</a:themeOverride>
+</file>
+
 <file path=customXml/item1.xml><?xml version="1.0" encoding="utf-8"?>
+<p:properties xmlns:p="http://schemas.microsoft.com/office/2006/metadata/properties" xmlns:xsi="http://www.w3.org/2001/XMLSchema-instance" xmlns:pc="http://schemas.microsoft.com/office/infopath/2007/PartnerControls">
+  <documentManagement>
+    <Status xmlns="71af3243-3dd4-4a8d-8c0d-dd76da1f02a5">Not started</Status>
+    <MediaServiceKeyPoints xmlns="71af3243-3dd4-4a8d-8c0d-dd76da1f02a5" xsi:nil="true"/>
+  </documentManagement>
+</p:properties>
+</file>
+
+<file path=customXml/item2.xml><?xml version="1.0" encoding="utf-8"?>
+<?mso-contentType ?>
+<FormTemplates xmlns="http://schemas.microsoft.com/sharepoint/v3/contenttype/forms">
+  <Display>DocumentLibraryForm</Display>
+  <Edit>DocumentLibraryForm</Edit>
+  <New>DocumentLibraryForm</New>
+</FormTemplates>
+</file>
+
+<file path=customXml/item3.xml><?xml version="1.0" encoding="utf-8"?>
 <ct:contentTypeSchema xmlns:ct="http://schemas.microsoft.com/office/2006/metadata/contentType" xmlns:ma="http://schemas.microsoft.com/office/2006/metadata/properties/metaAttributes" ct:_="" ma:_="" ma:contentTypeName="Document" ma:contentTypeID="0x01010079F111ED35F8CC479449609E8A0923A6" ma:contentTypeVersion="12" ma:contentTypeDescription="Create a new document." ma:contentTypeScope="" ma:versionID="a410dd7f93c95333ffa1b60ed6adedd1">
   <xsd:schema xmlns:xsd="http://www.w3.org/2001/XMLSchema" xmlns:xs="http://www.w3.org/2001/XMLSchema" xmlns:p="http://schemas.microsoft.com/office/2006/metadata/properties" xmlns:ns2="71af3243-3dd4-4a8d-8c0d-dd76da1f02a5" xmlns:ns3="16c05727-aa75-4e4a-9b5f-8a80a1165891" targetNamespace="http://schemas.microsoft.com/office/2006/metadata/properties" ma:root="true" ma:fieldsID="a936d9baba76aa3866493feff160faab" ns2:_="" ns3:_="">
     <xsd:import namespace="71af3243-3dd4-4a8d-8c0d-dd76da1f02a5"/>
@@ -11706,25 +12755,25 @@
 </ct:contentTypeSchema>
 </file>
 
-<file path=customXml/item2.xml><?xml version="1.0" encoding="utf-8"?>
-<?mso-contentType ?>
-<FormTemplates xmlns="http://schemas.microsoft.com/sharepoint/v3/contenttype/forms">
-  <Display>DocumentLibraryForm</Display>
-  <Edit>DocumentLibraryForm</Edit>
-  <New>DocumentLibraryForm</New>
-</FormTemplates>
+<file path=customXml/itemProps1.xml><?xml version="1.0" encoding="utf-8"?>
+<ds:datastoreItem xmlns:ds="http://schemas.openxmlformats.org/officeDocument/2006/customXml" ds:itemID="{F2455B2D-BAB7-438A-85DA-0266A24CB79F}">
+  <ds:schemaRefs>
+    <ds:schemaRef ds:uri="http://schemas.microsoft.com/office/2006/metadata/properties"/>
+    <ds:schemaRef ds:uri="http://schemas.microsoft.com/office/infopath/2007/PartnerControls"/>
+    <ds:schemaRef ds:uri="71af3243-3dd4-4a8d-8c0d-dd76da1f02a5"/>
+  </ds:schemaRefs>
+</ds:datastoreItem>
 </file>
 
-<file path=customXml/item3.xml><?xml version="1.0" encoding="utf-8"?>
-<p:properties xmlns:p="http://schemas.microsoft.com/office/2006/metadata/properties" xmlns:xsi="http://www.w3.org/2001/XMLSchema-instance" xmlns:pc="http://schemas.microsoft.com/office/infopath/2007/PartnerControls">
-  <documentManagement>
-    <Status xmlns="71af3243-3dd4-4a8d-8c0d-dd76da1f02a5">Not started</Status>
-    <MediaServiceKeyPoints xmlns="71af3243-3dd4-4a8d-8c0d-dd76da1f02a5" xsi:nil="true"/>
-  </documentManagement>
-</p:properties>
+<file path=customXml/itemProps2.xml><?xml version="1.0" encoding="utf-8"?>
+<ds:datastoreItem xmlns:ds="http://schemas.openxmlformats.org/officeDocument/2006/customXml" ds:itemID="{D8C6403A-684A-431F-8F36-A24C99E28661}">
+  <ds:schemaRefs>
+    <ds:schemaRef ds:uri="http://schemas.microsoft.com/sharepoint/v3/contenttype/forms"/>
+  </ds:schemaRefs>
+</ds:datastoreItem>
 </file>
 
-<file path=customXml/itemProps1.xml><?xml version="1.0" encoding="utf-8"?>
+<file path=customXml/itemProps3.xml><?xml version="1.0" encoding="utf-8"?>
 <ds:datastoreItem xmlns:ds="http://schemas.openxmlformats.org/officeDocument/2006/customXml" ds:itemID="{CDF95FD5-1F25-4FA5-84C8-2AB1AFB896F4}">
   <ds:schemaRefs>
     <ds:schemaRef ds:uri="http://schemas.microsoft.com/office/2006/metadata/contentType"/>
@@ -11741,22 +12790,4 @@
     <ds:schemaRef ds:uri="http://schemas.microsoft.com/internal/obd"/>
   </ds:schemaRefs>
 </ds:datastoreItem>
-</file>
-
-<file path=customXml/itemProps2.xml><?xml version="1.0" encoding="utf-8"?>
-<ds:datastoreItem xmlns:ds="http://schemas.openxmlformats.org/officeDocument/2006/customXml" ds:itemID="{D8C6403A-684A-431F-8F36-A24C99E28661}">
-  <ds:schemaRefs>
-    <ds:schemaRef ds:uri="http://schemas.microsoft.com/sharepoint/v3/contenttype/forms"/>
-  </ds:schemaRefs>
-</ds:datastoreItem>
-</file>
-
-<file path=customXml/itemProps3.xml><?xml version="1.0" encoding="utf-8"?>
-<ds:datastoreItem xmlns:ds="http://schemas.openxmlformats.org/officeDocument/2006/customXml" ds:itemID="{F2455B2D-BAB7-438A-85DA-0266A24CB79F}">
-  <ds:schemaRefs>
-    <ds:schemaRef ds:uri="http://schemas.microsoft.com/office/2006/metadata/properties"/>
-    <ds:schemaRef ds:uri="http://schemas.microsoft.com/office/infopath/2007/PartnerControls"/>
-    <ds:schemaRef ds:uri="71af3243-3dd4-4a8d-8c0d-dd76da1f02a5"/>
-  </ds:schemaRefs>
-</ds:datastoreItem>
 </file>